--- a/Week14/06 Pet Park - Create Location.pptx
+++ b/Week14/06 Pet Park - Create Location.pptx
@@ -119,6 +119,35 @@
 </p:presentation>
 </file>
 
+<file path=ppt/changesInfos/changesInfo1.xml><?xml version="1.0" encoding="utf-8"?>
+<pc:chgInfo xmlns:a="http://schemas.openxmlformats.org/drawingml/2006/main" xmlns:r="http://schemas.openxmlformats.org/officeDocument/2006/relationships" xmlns:ac="http://schemas.microsoft.com/office/drawing/2013/main/command" xmlns:pc="http://schemas.microsoft.com/office/powerpoint/2013/main/command">
+  <pc:docChgLst>
+    <pc:chgData name="Chuck Kiefriter" userId="a996b49251c4dfd2" providerId="LiveId" clId="{B5E2EC17-8C37-4940-B7DB-F7FB174BAD63}"/>
+    <pc:docChg chg="modSld">
+      <pc:chgData name="Chuck Kiefriter" userId="a996b49251c4dfd2" providerId="LiveId" clId="{B5E2EC17-8C37-4940-B7DB-F7FB174BAD63}" dt="2024-03-19T23:53:56.435" v="0" actId="14100"/>
+      <pc:docMkLst>
+        <pc:docMk/>
+      </pc:docMkLst>
+      <pc:sldChg chg="modSp mod">
+        <pc:chgData name="Chuck Kiefriter" userId="a996b49251c4dfd2" providerId="LiveId" clId="{B5E2EC17-8C37-4940-B7DB-F7FB174BAD63}" dt="2024-03-19T23:53:56.435" v="0" actId="14100"/>
+        <pc:sldMkLst>
+          <pc:docMk/>
+          <pc:sldMk cId="4292887129" sldId="257"/>
+        </pc:sldMkLst>
+        <pc:spChg chg="mod">
+          <ac:chgData name="Chuck Kiefriter" userId="a996b49251c4dfd2" providerId="LiveId" clId="{B5E2EC17-8C37-4940-B7DB-F7FB174BAD63}" dt="2024-03-19T23:53:56.435" v="0" actId="14100"/>
+          <ac:spMkLst>
+            <pc:docMk/>
+            <pc:sldMk cId="4292887129" sldId="257"/>
+            <ac:spMk id="3" creationId="{DFF8DFDE-731A-4D84-D7AA-1916DF3C299B}"/>
+          </ac:spMkLst>
+        </pc:spChg>
+      </pc:sldChg>
+    </pc:docChg>
+  </pc:docChgLst>
+</pc:chgInfo>
+</file>
+
 <file path=ppt/slideLayouts/slideLayout1.xml><?xml version="1.0" encoding="utf-8"?>
 <p:sldLayout xmlns:a="http://schemas.openxmlformats.org/drawingml/2006/main" xmlns:r="http://schemas.openxmlformats.org/officeDocument/2006/relationships" xmlns:p="http://schemas.openxmlformats.org/presentationml/2006/main" type="title" preserve="1">
   <p:cSld name="Title Slide">
@@ -250,7 +279,7 @@
           <a:p>
             <a:fld id="{E4712618-44F0-4D57-83C0-9CC885C77E06}" type="datetimeFigureOut">
               <a:rPr lang="en-US" smtClean="0"/>
-              <a:t>10/18/2022</a:t>
+              <a:t>3/19/2024</a:t>
             </a:fld>
             <a:endParaRPr lang="en-US"/>
           </a:p>
@@ -420,7 +449,7 @@
           <a:p>
             <a:fld id="{E4712618-44F0-4D57-83C0-9CC885C77E06}" type="datetimeFigureOut">
               <a:rPr lang="en-US" smtClean="0"/>
-              <a:t>10/18/2022</a:t>
+              <a:t>3/19/2024</a:t>
             </a:fld>
             <a:endParaRPr lang="en-US"/>
           </a:p>
@@ -600,7 +629,7 @@
           <a:p>
             <a:fld id="{E4712618-44F0-4D57-83C0-9CC885C77E06}" type="datetimeFigureOut">
               <a:rPr lang="en-US" smtClean="0"/>
-              <a:t>10/18/2022</a:t>
+              <a:t>3/19/2024</a:t>
             </a:fld>
             <a:endParaRPr lang="en-US"/>
           </a:p>
@@ -770,7 +799,7 @@
           <a:p>
             <a:fld id="{E4712618-44F0-4D57-83C0-9CC885C77E06}" type="datetimeFigureOut">
               <a:rPr lang="en-US" smtClean="0"/>
-              <a:t>10/18/2022</a:t>
+              <a:t>3/19/2024</a:t>
             </a:fld>
             <a:endParaRPr lang="en-US"/>
           </a:p>
@@ -1016,7 +1045,7 @@
           <a:p>
             <a:fld id="{E4712618-44F0-4D57-83C0-9CC885C77E06}" type="datetimeFigureOut">
               <a:rPr lang="en-US" smtClean="0"/>
-              <a:t>10/18/2022</a:t>
+              <a:t>3/19/2024</a:t>
             </a:fld>
             <a:endParaRPr lang="en-US"/>
           </a:p>
@@ -1248,7 +1277,7 @@
           <a:p>
             <a:fld id="{E4712618-44F0-4D57-83C0-9CC885C77E06}" type="datetimeFigureOut">
               <a:rPr lang="en-US" smtClean="0"/>
-              <a:t>10/18/2022</a:t>
+              <a:t>3/19/2024</a:t>
             </a:fld>
             <a:endParaRPr lang="en-US"/>
           </a:p>
@@ -1615,7 +1644,7 @@
           <a:p>
             <a:fld id="{E4712618-44F0-4D57-83C0-9CC885C77E06}" type="datetimeFigureOut">
               <a:rPr lang="en-US" smtClean="0"/>
-              <a:t>10/18/2022</a:t>
+              <a:t>3/19/2024</a:t>
             </a:fld>
             <a:endParaRPr lang="en-US"/>
           </a:p>
@@ -1733,7 +1762,7 @@
           <a:p>
             <a:fld id="{E4712618-44F0-4D57-83C0-9CC885C77E06}" type="datetimeFigureOut">
               <a:rPr lang="en-US" smtClean="0"/>
-              <a:t>10/18/2022</a:t>
+              <a:t>3/19/2024</a:t>
             </a:fld>
             <a:endParaRPr lang="en-US"/>
           </a:p>
@@ -1828,7 +1857,7 @@
           <a:p>
             <a:fld id="{E4712618-44F0-4D57-83C0-9CC885C77E06}" type="datetimeFigureOut">
               <a:rPr lang="en-US" smtClean="0"/>
-              <a:t>10/18/2022</a:t>
+              <a:t>3/19/2024</a:t>
             </a:fld>
             <a:endParaRPr lang="en-US"/>
           </a:p>
@@ -2105,7 +2134,7 @@
           <a:p>
             <a:fld id="{E4712618-44F0-4D57-83C0-9CC885C77E06}" type="datetimeFigureOut">
               <a:rPr lang="en-US" smtClean="0"/>
-              <a:t>10/18/2022</a:t>
+              <a:t>3/19/2024</a:t>
             </a:fld>
             <a:endParaRPr lang="en-US"/>
           </a:p>
@@ -2362,7 +2391,7 @@
           <a:p>
             <a:fld id="{E4712618-44F0-4D57-83C0-9CC885C77E06}" type="datetimeFigureOut">
               <a:rPr lang="en-US" smtClean="0"/>
-              <a:t>10/18/2022</a:t>
+              <a:t>3/19/2024</a:t>
             </a:fld>
             <a:endParaRPr lang="en-US"/>
           </a:p>
@@ -2575,7 +2604,7 @@
           <a:p>
             <a:fld id="{E4712618-44F0-4D57-83C0-9CC885C77E06}" type="datetimeFigureOut">
               <a:rPr lang="en-US" smtClean="0"/>
-              <a:t>10/18/2022</a:t>
+              <a:t>3/19/2024</a:t>
             </a:fld>
             <a:endParaRPr lang="en-US"/>
           </a:p>
@@ -3130,7 +3159,7 @@
         <p:spPr>
           <a:xfrm>
             <a:off x="838200" y="1825625"/>
-            <a:ext cx="5546558" cy="4351338"/>
+            <a:ext cx="10802112" cy="4351338"/>
           </a:xfrm>
         </p:spPr>
         <p:txBody>
